--- a/alpha_factory_v1/demos/alpha_agi_business_3_v1/presentation/OMEGA_GRADE_Business_3_v0.pptx
+++ b/alpha_factory_v1/demos/alpha_agi_business_3_v1/presentation/OMEGA_GRADE_Business_3_v0.pptx
@@ -2283,67 +2283,6 @@
           </a:p>
         </p:txBody>
       </p:sp>
-      <p:sp>
-        <p:nvSpPr>
-          <p:cNvPr id="11" name="Text 8"/>
-          <p:cNvSpPr/>
-          <p:nvPr/>
-        </p:nvSpPr>
-        <p:spPr>
-          <a:xfrm>
-            <a:off x="640080" y="3337560"/>
-            <a:ext cx="10911535" cy="502920"/>
-          </a:xfrm>
-          <a:prstGeom prst="roundRect">
-            <a:avLst/>
-          </a:prstGeom>
-          <a:solidFill>
-            <a:srgbClr val="0B0712">
-              <a:alpha val="66000"/>
-            </a:srgbClr>
-          </a:solidFill>
-          <a:ln w="12700">
-            <a:solidFill>
-              <a:srgbClr val="2A123A">
-                <a:alpha val="45000"/>
-              </a:srgbClr>
-            </a:solidFill>
-          </a:ln>
-          <a:effectLst>
-            <a:outerShdw blurRad="38100" dist="19050" dir="2700000" algn="bl" rotWithShape="0">
-              <a:srgbClr val="000000">
-                <a:alpha val="22000"/>
-              </a:srgbClr>
-            </a:outerShdw>
-          </a:effectLst>
-        </p:spPr>
-        <p:txBody>
-          <a:bodyPr wrap="square" lIns="177800" tIns="177800" rIns="177800" bIns="177800" rtlCol="0" anchor="t">
-            <a:normAutofit/>
-          </a:bodyPr>
-          <a:lstStyle/>
-          <a:p>
-            <a:pPr marL="0" indent="0" algn="l">
-              <a:lnSpc>
-                <a:spcPct val="110000"/>
-              </a:lnSpc>
-              <a:buNone/>
-            </a:pPr>
-            <a:r>
-              <a:rPr lang="en-US" sz="1200" dirty="0">
-                <a:solidFill>
-                  <a:srgbClr val="B8AACF"/>
-                </a:solidFill>
-                <a:latin typeface="Calibri" pitchFamily="34" charset="0"/>
-                <a:ea typeface="Calibri" pitchFamily="34" charset="-122"/>
-                <a:cs typeface="Calibri" pitchFamily="34" charset="-120"/>
-              </a:rPr>
-              <a:t>Design language: purplish‑red, high‑signal, audit‑ready</a:t>
-            </a:r>
-            <a:endParaRPr lang="en-US" sz="1200" dirty="0"/>
-          </a:p>
-        </p:txBody>
-      </p:sp>
     </p:spTree>
   </p:cSld>
   <p:clrMapOvr>
